--- a/presentations/BTP_Review_3_38.pptx
+++ b/presentations/BTP_Review_3_38.pptx
@@ -272,7 +272,7 @@
       <p15:sldGuideLst xmlns:p15="http://schemas.microsoft.com/office/powerpoint/2012/main"/>
     </p:ext>
     <p:ext uri="GoogleSlidesCustomDataVersion2">
-      <go:slidesCustomData xmlns="" xmlns:mc="http://schemas.openxmlformats.org/markup-compatibility/2006" xmlns:mv="urn:schemas-microsoft-com:mac:vml" xmlns:c="http://schemas.openxmlformats.org/drawingml/2006/chart" xmlns:dgm="http://schemas.openxmlformats.org/drawingml/2006/diagram" xmlns:o="urn:schemas-microsoft-com:office:office" xmlns:v="urn:schemas-microsoft-com:vml" xmlns:pvml="urn:schemas-microsoft-com:office:powerpoint" xmlns:com="http://schemas.openxmlformats.org/drawingml/2006/compatibility" xmlns:p14="http://schemas.microsoft.com/office/powerpoint/2010/main" xmlns:p15="http://schemas.microsoft.com/office/powerpoint/2012/main" xmlns:ahyp="http://schemas.microsoft.com/office/drawing/2018/hyperlinkcolor" xmlns:go="http://customooxmlschemas.google.com/" r:id="rId36" roundtripDataSignature="AMtx7mhuxAGAFeK385ws0wbPmROt43Ko/w=="/>
+      <go:slidesCustomData xmlns:go="http://customooxmlschemas.google.com/" xmlns:ahyp="http://schemas.microsoft.com/office/drawing/2018/hyperlinkcolor" xmlns:p15="http://schemas.microsoft.com/office/powerpoint/2012/main" xmlns:p14="http://schemas.microsoft.com/office/powerpoint/2010/main" xmlns:com="http://schemas.openxmlformats.org/drawingml/2006/compatibility" xmlns:pvml="urn:schemas-microsoft-com:office:powerpoint" xmlns:v="urn:schemas-microsoft-com:vml" xmlns:o="urn:schemas-microsoft-com:office:office" xmlns:dgm="http://schemas.openxmlformats.org/drawingml/2006/diagram" xmlns:c="http://schemas.openxmlformats.org/drawingml/2006/chart" xmlns:mv="urn:schemas-microsoft-com:mac:vml" xmlns:mc="http://schemas.openxmlformats.org/markup-compatibility/2006" xmlns="" r:id="rId36" roundtripDataSignature="AMtx7mhuxAGAFeK385ws0wbPmROt43Ko/w=="/>
     </p:ext>
   </p:extLst>
 </p:presentation>
@@ -17777,10 +17777,10 @@
       </p:sp>
       <p:pic>
         <p:nvPicPr>
-          <p:cNvPr id="4" name="Picture 3">
+          <p:cNvPr id="3" name="Picture 2">
             <a:extLst>
               <a:ext uri="{FF2B5EF4-FFF2-40B4-BE49-F238E27FC236}">
-                <a16:creationId xmlns:a16="http://schemas.microsoft.com/office/drawing/2014/main" id="{5E90834E-3F81-3FA7-1443-358D65DB612A}"/>
+                <a16:creationId xmlns:a16="http://schemas.microsoft.com/office/drawing/2014/main" id="{3A4FDC74-248B-D8AF-6AF7-BFEAE48442E1}"/>
               </a:ext>
             </a:extLst>
           </p:cNvPr>
@@ -17797,8 +17797,8 @@
         </p:blipFill>
         <p:spPr>
           <a:xfrm>
-            <a:off x="1966452" y="1011079"/>
-            <a:ext cx="8229599" cy="5710396"/>
+            <a:off x="2719711" y="941949"/>
+            <a:ext cx="7262489" cy="5593565"/>
           </a:xfrm>
           <a:prstGeom prst="rect">
             <a:avLst/>
